--- a/FINAL Smart meter analytics.pptx
+++ b/FINAL Smart meter analytics.pptx
@@ -124,7 +124,7 @@
   </p:defaultTextStyle>
   <p:extLst>
     <p:ext uri="{521415D9-36F7-43E2-AB2F-B90AF26B5E84}">
-      <p14:sectionLst xmlns:p14="http://schemas.microsoft.com/office/powerpoint/2010/main" xmlns="">
+      <p14:sectionLst xmlns="" xmlns:p14="http://schemas.microsoft.com/office/powerpoint/2010/main">
         <p14:section name="Default Section" id="{B9909CEC-9270-42AE-B267-9C9058AEAF71}">
           <p14:sldIdLst>
             <p14:sldId id="256"/>
@@ -1209,6 +1209,13 @@
         </dgm:presLayoutVars>
       </dgm:prSet>
       <dgm:spPr/>
+      <dgm:t>
+        <a:bodyPr/>
+        <a:lstStyle/>
+        <a:p>
+          <a:endParaRPr lang="en-IN"/>
+        </a:p>
+      </dgm:t>
     </dgm:pt>
     <dgm:pt modelId="{6AEBAF1F-1AD8-4A48-A221-FCD57CECA94A}" type="pres">
       <dgm:prSet presAssocID="{40B750C0-F03C-4786-AB0A-A6A91AA51D8C}" presName="parentText" presStyleLbl="node1" presStyleIdx="0" presStyleCnt="6">
@@ -1218,6 +1225,13 @@
         </dgm:presLayoutVars>
       </dgm:prSet>
       <dgm:spPr/>
+      <dgm:t>
+        <a:bodyPr/>
+        <a:lstStyle/>
+        <a:p>
+          <a:endParaRPr lang="en-IN"/>
+        </a:p>
+      </dgm:t>
     </dgm:pt>
     <dgm:pt modelId="{C8088587-F948-4926-A760-60279BE63D9C}" type="pres">
       <dgm:prSet presAssocID="{E0746D04-F252-43A3-B194-5A9D5BE9DBA1}" presName="spacer" presStyleCnt="0"/>
@@ -1231,6 +1245,13 @@
         </dgm:presLayoutVars>
       </dgm:prSet>
       <dgm:spPr/>
+      <dgm:t>
+        <a:bodyPr/>
+        <a:lstStyle/>
+        <a:p>
+          <a:endParaRPr lang="en-IN"/>
+        </a:p>
+      </dgm:t>
     </dgm:pt>
     <dgm:pt modelId="{12F89A6A-E760-4394-9DB8-CD169643F4FB}" type="pres">
       <dgm:prSet presAssocID="{51C8D4AD-10AD-4E8A-AD04-EC3ADE16CC65}" presName="spacer" presStyleCnt="0"/>
@@ -1244,6 +1265,13 @@
         </dgm:presLayoutVars>
       </dgm:prSet>
       <dgm:spPr/>
+      <dgm:t>
+        <a:bodyPr/>
+        <a:lstStyle/>
+        <a:p>
+          <a:endParaRPr lang="en-IN"/>
+        </a:p>
+      </dgm:t>
     </dgm:pt>
     <dgm:pt modelId="{4D750836-43EF-49EE-A34B-73FA757A8BEF}" type="pres">
       <dgm:prSet presAssocID="{FBCC6A0D-70BD-44DE-B18F-7D69FFAF5250}" presName="spacer" presStyleCnt="0"/>
@@ -1257,6 +1285,13 @@
         </dgm:presLayoutVars>
       </dgm:prSet>
       <dgm:spPr/>
+      <dgm:t>
+        <a:bodyPr/>
+        <a:lstStyle/>
+        <a:p>
+          <a:endParaRPr lang="en-IN"/>
+        </a:p>
+      </dgm:t>
     </dgm:pt>
     <dgm:pt modelId="{8789FBEF-EBD4-4E8B-B157-179F948CF386}" type="pres">
       <dgm:prSet presAssocID="{F4D52709-3BDB-40C5-966C-CFF872BE5C43}" presName="spacer" presStyleCnt="0"/>
@@ -1270,6 +1305,13 @@
         </dgm:presLayoutVars>
       </dgm:prSet>
       <dgm:spPr/>
+      <dgm:t>
+        <a:bodyPr/>
+        <a:lstStyle/>
+        <a:p>
+          <a:endParaRPr lang="en-IN"/>
+        </a:p>
+      </dgm:t>
     </dgm:pt>
     <dgm:pt modelId="{8482F7DE-A663-4EA9-BF98-AC202D00CE3C}" type="pres">
       <dgm:prSet presAssocID="{E0961C2A-2D70-4618-B78A-E7456B322471}" presName="spacer" presStyleCnt="0"/>
@@ -1283,22 +1325,29 @@
         </dgm:presLayoutVars>
       </dgm:prSet>
       <dgm:spPr/>
+      <dgm:t>
+        <a:bodyPr/>
+        <a:lstStyle/>
+        <a:p>
+          <a:endParaRPr lang="en-IN"/>
+        </a:p>
+      </dgm:t>
     </dgm:pt>
   </dgm:ptLst>
   <dgm:cxnLst>
+    <dgm:cxn modelId="{7B904C65-3C31-4C15-8CA4-9D7BA183D36A}" type="presOf" srcId="{C09759D1-5417-4709-B119-1B4BA1778499}" destId="{2DA74A70-2268-49BB-8AD3-C43430BDC623}" srcOrd="0" destOrd="0" presId="urn:microsoft.com/office/officeart/2005/8/layout/vList2"/>
+    <dgm:cxn modelId="{761D0BB6-2F69-490F-A53F-13010D87F063}" type="presOf" srcId="{9F470539-E1AB-447A-B3EA-12CC51F9866D}" destId="{97D382AF-2713-4C65-8AF4-355B30A9223F}" srcOrd="0" destOrd="0" presId="urn:microsoft.com/office/officeart/2005/8/layout/vList2"/>
+    <dgm:cxn modelId="{BB3C5504-EF09-4D21-BFC8-417481A46612}" srcId="{897FD629-7BB1-48C0-B4A7-2B35A76C3041}" destId="{35CBF74B-C696-48A5-8986-6328984C2518}" srcOrd="5" destOrd="0" parTransId="{8E4BBF7E-3E44-4F7F-850E-49C4193FD3E4}" sibTransId="{C07ECA10-BF2D-4E73-BD2C-23E652B0C8A8}"/>
     <dgm:cxn modelId="{0E488971-209D-4F2A-88E1-DA50FD9C6A5F}" type="presOf" srcId="{40B750C0-F03C-4786-AB0A-A6A91AA51D8C}" destId="{6AEBAF1F-1AD8-4A48-A221-FCD57CECA94A}" srcOrd="0" destOrd="0" presId="urn:microsoft.com/office/officeart/2005/8/layout/vList2"/>
-    <dgm:cxn modelId="{5E68F5E3-BCC6-45F2-8F38-10D649051F88}" type="presOf" srcId="{95C98FFC-1B01-4054-AA3A-6945E7CBBEE4}" destId="{C98551D3-EF0A-4448-8C5C-E2EC2D7AE551}" srcOrd="0" destOrd="0" presId="urn:microsoft.com/office/officeart/2005/8/layout/vList2"/>
     <dgm:cxn modelId="{19BC4173-316D-4DC8-B093-51EBCE749AC3}" type="presOf" srcId="{2586DAB2-71C4-4C1C-ABE6-44FB6351DD51}" destId="{CC303C67-8AAF-496A-9C77-5A54E4E0CA0A}" srcOrd="0" destOrd="0" presId="urn:microsoft.com/office/officeart/2005/8/layout/vList2"/>
+    <dgm:cxn modelId="{092E76F4-6DF8-437F-A343-92071E0B1C7F}" srcId="{897FD629-7BB1-48C0-B4A7-2B35A76C3041}" destId="{C09759D1-5417-4709-B119-1B4BA1778499}" srcOrd="4" destOrd="0" parTransId="{727AFB2D-6C34-407A-8324-E0F4C98A986A}" sibTransId="{E0961C2A-2D70-4618-B78A-E7456B322471}"/>
     <dgm:cxn modelId="{0EE2A9E2-794C-4F96-9307-3AEDD1079107}" srcId="{897FD629-7BB1-48C0-B4A7-2B35A76C3041}" destId="{40B750C0-F03C-4786-AB0A-A6A91AA51D8C}" srcOrd="0" destOrd="0" parTransId="{89C34CBE-15C3-42DC-A149-0F5F62E81C6A}" sibTransId="{E0746D04-F252-43A3-B194-5A9D5BE9DBA1}"/>
-    <dgm:cxn modelId="{17AD3185-16F1-46AC-96C1-0C5E472ACCEE}" type="presOf" srcId="{35CBF74B-C696-48A5-8986-6328984C2518}" destId="{D2C83754-94CE-4C27-8AA3-2B7282190C08}" srcOrd="0" destOrd="0" presId="urn:microsoft.com/office/officeart/2005/8/layout/vList2"/>
-    <dgm:cxn modelId="{BB3C5504-EF09-4D21-BFC8-417481A46612}" srcId="{897FD629-7BB1-48C0-B4A7-2B35A76C3041}" destId="{35CBF74B-C696-48A5-8986-6328984C2518}" srcOrd="5" destOrd="0" parTransId="{8E4BBF7E-3E44-4F7F-850E-49C4193FD3E4}" sibTransId="{C07ECA10-BF2D-4E73-BD2C-23E652B0C8A8}"/>
-    <dgm:cxn modelId="{7B904C65-3C31-4C15-8CA4-9D7BA183D36A}" type="presOf" srcId="{C09759D1-5417-4709-B119-1B4BA1778499}" destId="{2DA74A70-2268-49BB-8AD3-C43430BDC623}" srcOrd="0" destOrd="0" presId="urn:microsoft.com/office/officeart/2005/8/layout/vList2"/>
+    <dgm:cxn modelId="{E854F9BA-D2C7-4CC8-BD74-6A833A37FAC2}" srcId="{897FD629-7BB1-48C0-B4A7-2B35A76C3041}" destId="{9F470539-E1AB-447A-B3EA-12CC51F9866D}" srcOrd="2" destOrd="0" parTransId="{5FA76A0E-77C9-4084-A55B-FC12AE3E8089}" sibTransId="{FBCC6A0D-70BD-44DE-B18F-7D69FFAF5250}"/>
     <dgm:cxn modelId="{BB3FAD03-452F-4ABB-95F0-587192DFA879}" type="presOf" srcId="{897FD629-7BB1-48C0-B4A7-2B35A76C3041}" destId="{4F9C0199-4613-42DB-B0C5-7986E394DC12}" srcOrd="0" destOrd="0" presId="urn:microsoft.com/office/officeart/2005/8/layout/vList2"/>
     <dgm:cxn modelId="{07338A6C-E661-41F0-A873-224B0DD82F9E}" srcId="{897FD629-7BB1-48C0-B4A7-2B35A76C3041}" destId="{2586DAB2-71C4-4C1C-ABE6-44FB6351DD51}" srcOrd="1" destOrd="0" parTransId="{3F94ED8C-46E7-4F13-8ED8-DEF89F0252BA}" sibTransId="{51C8D4AD-10AD-4E8A-AD04-EC3ADE16CC65}"/>
-    <dgm:cxn modelId="{761D0BB6-2F69-490F-A53F-13010D87F063}" type="presOf" srcId="{9F470539-E1AB-447A-B3EA-12CC51F9866D}" destId="{97D382AF-2713-4C65-8AF4-355B30A9223F}" srcOrd="0" destOrd="0" presId="urn:microsoft.com/office/officeart/2005/8/layout/vList2"/>
-    <dgm:cxn modelId="{E854F9BA-D2C7-4CC8-BD74-6A833A37FAC2}" srcId="{897FD629-7BB1-48C0-B4A7-2B35A76C3041}" destId="{9F470539-E1AB-447A-B3EA-12CC51F9866D}" srcOrd="2" destOrd="0" parTransId="{5FA76A0E-77C9-4084-A55B-FC12AE3E8089}" sibTransId="{FBCC6A0D-70BD-44DE-B18F-7D69FFAF5250}"/>
+    <dgm:cxn modelId="{17AD3185-16F1-46AC-96C1-0C5E472ACCEE}" type="presOf" srcId="{35CBF74B-C696-48A5-8986-6328984C2518}" destId="{D2C83754-94CE-4C27-8AA3-2B7282190C08}" srcOrd="0" destOrd="0" presId="urn:microsoft.com/office/officeart/2005/8/layout/vList2"/>
+    <dgm:cxn modelId="{5E68F5E3-BCC6-45F2-8F38-10D649051F88}" type="presOf" srcId="{95C98FFC-1B01-4054-AA3A-6945E7CBBEE4}" destId="{C98551D3-EF0A-4448-8C5C-E2EC2D7AE551}" srcOrd="0" destOrd="0" presId="urn:microsoft.com/office/officeart/2005/8/layout/vList2"/>
     <dgm:cxn modelId="{EFA8BA09-A1B3-418C-A21F-84ED82661B79}" srcId="{897FD629-7BB1-48C0-B4A7-2B35A76C3041}" destId="{95C98FFC-1B01-4054-AA3A-6945E7CBBEE4}" srcOrd="3" destOrd="0" parTransId="{3859E613-1B6A-4AFA-A9F9-23029CA44D5F}" sibTransId="{F4D52709-3BDB-40C5-966C-CFF872BE5C43}"/>
-    <dgm:cxn modelId="{092E76F4-6DF8-437F-A343-92071E0B1C7F}" srcId="{897FD629-7BB1-48C0-B4A7-2B35A76C3041}" destId="{C09759D1-5417-4709-B119-1B4BA1778499}" srcOrd="4" destOrd="0" parTransId="{727AFB2D-6C34-407A-8324-E0F4C98A986A}" sibTransId="{E0961C2A-2D70-4618-B78A-E7456B322471}"/>
     <dgm:cxn modelId="{8C77DCCF-3FCE-40C6-B0BA-EDBFFCEBC6C8}" type="presParOf" srcId="{4F9C0199-4613-42DB-B0C5-7986E394DC12}" destId="{6AEBAF1F-1AD8-4A48-A221-FCD57CECA94A}" srcOrd="0" destOrd="0" presId="urn:microsoft.com/office/officeart/2005/8/layout/vList2"/>
     <dgm:cxn modelId="{C426502A-57C3-48B8-9FB5-00258776D9E1}" type="presParOf" srcId="{4F9C0199-4613-42DB-B0C5-7986E394DC12}" destId="{C8088587-F948-4926-A760-60279BE63D9C}" srcOrd="1" destOrd="0" presId="urn:microsoft.com/office/officeart/2005/8/layout/vList2"/>
     <dgm:cxn modelId="{83BC1814-7B9C-4AD2-934B-D0F93BB32415}" type="presParOf" srcId="{4F9C0199-4613-42DB-B0C5-7986E394DC12}" destId="{CC303C67-8AAF-496A-9C77-5A54E4E0CA0A}" srcOrd="2" destOrd="0" presId="urn:microsoft.com/office/officeart/2005/8/layout/vList2"/>
@@ -2599,6 +2648,7 @@
           <a:p>
             <a:fld id="{8478A405-D3FB-4A48-A399-2639C59FE469}" type="datetimeFigureOut">
               <a:rPr lang="en-US" smtClean="0"/>
+              <a:pPr/>
               <a:t>7/16/2017</a:t>
             </a:fld>
             <a:endParaRPr lang="en-IN"/>
@@ -2760,6 +2810,7 @@
           <a:p>
             <a:fld id="{F12DDF88-0206-4375-A8B0-730F75AA653D}" type="slidenum">
               <a:rPr lang="en-IN" smtClean="0"/>
+              <a:pPr/>
               <a:t>‹#›</a:t>
             </a:fld>
             <a:endParaRPr lang="en-IN"/>
@@ -7650,10 +7701,181 @@
           </a:p>
         </p:txBody>
       </p:sp>
+      <p:sp>
+        <p:nvSpPr>
+          <p:cNvPr id="5" name="TextBox 4"/>
+          <p:cNvSpPr txBox="1"/>
+          <p:nvPr/>
+        </p:nvSpPr>
+        <p:spPr>
+          <a:xfrm>
+            <a:off x="4143372" y="3857628"/>
+            <a:ext cx="3229602" cy="1477328"/>
+          </a:xfrm>
+          <a:prstGeom prst="rect">
+            <a:avLst/>
+          </a:prstGeom>
+          <a:noFill/>
+        </p:spPr>
+        <p:txBody>
+          <a:bodyPr wrap="none" rtlCol="0">
+            <a:spAutoFit/>
+          </a:bodyPr>
+          <a:lstStyle/>
+          <a:p>
+            <a:r>
+              <a:rPr lang="en-IN" dirty="0" smtClean="0"/>
+              <a:t>Submitted By: </a:t>
+            </a:r>
+            <a:r>
+              <a:rPr lang="en-IN" dirty="0" err="1" smtClean="0"/>
+              <a:t>Piyush</a:t>
+            </a:r>
+            <a:r>
+              <a:rPr lang="en-IN" dirty="0" smtClean="0"/>
+              <a:t> </a:t>
+            </a:r>
+            <a:r>
+              <a:rPr lang="en-IN" dirty="0" err="1" smtClean="0"/>
+              <a:t>Pandey</a:t>
+            </a:r>
+            <a:endParaRPr lang="en-IN" dirty="0" smtClean="0"/>
+          </a:p>
+          <a:p>
+            <a:r>
+              <a:rPr lang="en-IN" dirty="0" smtClean="0"/>
+              <a:t> </a:t>
+            </a:r>
+            <a:r>
+              <a:rPr lang="en-IN" dirty="0" smtClean="0"/>
+              <a:t>                         Prince </a:t>
+            </a:r>
+            <a:r>
+              <a:rPr lang="en-IN" dirty="0" err="1" smtClean="0"/>
+              <a:t>Saini</a:t>
+            </a:r>
+            <a:endParaRPr lang="en-IN" dirty="0" smtClean="0"/>
+          </a:p>
+          <a:p>
+            <a:r>
+              <a:rPr lang="en-IN" dirty="0" smtClean="0"/>
+              <a:t> </a:t>
+            </a:r>
+            <a:r>
+              <a:rPr lang="en-IN" dirty="0" smtClean="0"/>
+              <a:t>                         </a:t>
+            </a:r>
+            <a:r>
+              <a:rPr lang="en-IN" dirty="0" err="1" smtClean="0"/>
+              <a:t>Ifteshan</a:t>
+            </a:r>
+            <a:r>
+              <a:rPr lang="en-IN" dirty="0" smtClean="0"/>
+              <a:t> </a:t>
+            </a:r>
+            <a:r>
+              <a:rPr lang="en-IN" dirty="0" err="1" smtClean="0"/>
+              <a:t>Aphtab</a:t>
+            </a:r>
+            <a:endParaRPr lang="en-IN" dirty="0" smtClean="0"/>
+          </a:p>
+          <a:p>
+            <a:r>
+              <a:rPr lang="en-IN" dirty="0" smtClean="0"/>
+              <a:t> </a:t>
+            </a:r>
+            <a:r>
+              <a:rPr lang="en-IN" dirty="0" smtClean="0"/>
+              <a:t>                         </a:t>
+            </a:r>
+            <a:r>
+              <a:rPr lang="en-IN" dirty="0" err="1" smtClean="0"/>
+              <a:t>Himanshu</a:t>
+            </a:r>
+            <a:r>
+              <a:rPr lang="en-IN" dirty="0" smtClean="0"/>
+              <a:t> Geol</a:t>
+            </a:r>
+          </a:p>
+          <a:p>
+            <a:r>
+              <a:rPr lang="en-IN" dirty="0" smtClean="0"/>
+              <a:t> </a:t>
+            </a:r>
+            <a:r>
+              <a:rPr lang="en-IN" dirty="0" smtClean="0"/>
+              <a:t>                          </a:t>
+            </a:r>
+            <a:r>
+              <a:rPr lang="en-IN" dirty="0" err="1" smtClean="0"/>
+              <a:t>Mohit</a:t>
+            </a:r>
+            <a:r>
+              <a:rPr lang="en-IN" dirty="0" smtClean="0"/>
+              <a:t> Sharma </a:t>
+            </a:r>
+            <a:endParaRPr lang="en-IN" dirty="0"/>
+          </a:p>
+        </p:txBody>
+      </p:sp>
+      <p:sp>
+        <p:nvSpPr>
+          <p:cNvPr id="6" name="TextBox 5"/>
+          <p:cNvSpPr txBox="1"/>
+          <p:nvPr/>
+        </p:nvSpPr>
+        <p:spPr>
+          <a:xfrm>
+            <a:off x="3714744" y="6215082"/>
+            <a:ext cx="4799071" cy="369332"/>
+          </a:xfrm>
+          <a:prstGeom prst="rect">
+            <a:avLst/>
+          </a:prstGeom>
+          <a:noFill/>
+        </p:spPr>
+        <p:txBody>
+          <a:bodyPr wrap="none" rtlCol="0">
+            <a:spAutoFit/>
+          </a:bodyPr>
+          <a:lstStyle/>
+          <a:p>
+            <a:r>
+              <a:rPr lang="en-IN" dirty="0" smtClean="0"/>
+              <a:t>Submitted to: Mrs. </a:t>
+            </a:r>
+            <a:r>
+              <a:rPr lang="en-IN" dirty="0" err="1" smtClean="0"/>
+              <a:t>Ritika</a:t>
+            </a:r>
+            <a:r>
+              <a:rPr lang="en-IN" dirty="0" smtClean="0"/>
+              <a:t> Sharma (</a:t>
+            </a:r>
+            <a:r>
+              <a:rPr lang="en-IN" dirty="0" err="1" smtClean="0"/>
+              <a:t>Sopra</a:t>
+            </a:r>
+            <a:r>
+              <a:rPr lang="en-IN" dirty="0" smtClean="0"/>
+              <a:t> </a:t>
+            </a:r>
+            <a:r>
+              <a:rPr lang="en-IN" dirty="0" err="1" smtClean="0"/>
+              <a:t>Steria</a:t>
+            </a:r>
+            <a:r>
+              <a:rPr lang="en-IN" dirty="0" smtClean="0"/>
+              <a:t>)</a:t>
+            </a:r>
+            <a:endParaRPr lang="en-IN" dirty="0"/>
+          </a:p>
+        </p:txBody>
+      </p:sp>
     </p:spTree>
     <p:extLst>
       <p:ext uri="{BB962C8B-B14F-4D97-AF65-F5344CB8AC3E}">
-        <p14:creationId xmlns:p14="http://schemas.microsoft.com/office/powerpoint/2010/main" xmlns="" val="1273154776"/>
+        <p14:creationId xmlns="" xmlns:p14="http://schemas.microsoft.com/office/powerpoint/2010/main" val="1273154776"/>
       </p:ext>
     </p:extLst>
   </p:cSld>
@@ -7831,7 +8053,7 @@
     </p:spTree>
     <p:extLst>
       <p:ext uri="{BB962C8B-B14F-4D97-AF65-F5344CB8AC3E}">
-        <p14:creationId xmlns:p14="http://schemas.microsoft.com/office/powerpoint/2010/main" xmlns="" val="860039492"/>
+        <p14:creationId xmlns="" xmlns:p14="http://schemas.microsoft.com/office/powerpoint/2010/main" val="860039492"/>
       </p:ext>
     </p:extLst>
   </p:cSld>
@@ -7953,7 +8175,7 @@
     </p:spTree>
     <p:extLst>
       <p:ext uri="{BB962C8B-B14F-4D97-AF65-F5344CB8AC3E}">
-        <p14:creationId xmlns:p14="http://schemas.microsoft.com/office/powerpoint/2010/main" xmlns="" val="524262123"/>
+        <p14:creationId xmlns="" xmlns:p14="http://schemas.microsoft.com/office/powerpoint/2010/main" val="524262123"/>
       </p:ext>
     </p:extLst>
   </p:cSld>
@@ -8101,7 +8323,7 @@
     </p:spTree>
     <p:extLst>
       <p:ext uri="{BB962C8B-B14F-4D97-AF65-F5344CB8AC3E}">
-        <p14:creationId xmlns:p14="http://schemas.microsoft.com/office/powerpoint/2010/main" xmlns="" val="234352595"/>
+        <p14:creationId xmlns="" xmlns:p14="http://schemas.microsoft.com/office/powerpoint/2010/main" val="234352595"/>
       </p:ext>
     </p:extLst>
   </p:cSld>
@@ -8215,7 +8437,7 @@
     </p:spTree>
     <p:extLst>
       <p:ext uri="{BB962C8B-B14F-4D97-AF65-F5344CB8AC3E}">
-        <p14:creationId xmlns:p14="http://schemas.microsoft.com/office/powerpoint/2010/main" xmlns="" val="1148178371"/>
+        <p14:creationId xmlns="" xmlns:p14="http://schemas.microsoft.com/office/powerpoint/2010/main" val="1148178371"/>
       </p:ext>
     </p:extLst>
   </p:cSld>
@@ -8267,7 +8489,7 @@
           <a:noFill/>
           <a:extLst>
             <a:ext uri="{909E8E84-426E-40DD-AFC4-6F175D3DCCD1}">
-              <a14:hiddenFill xmlns:a14="http://schemas.microsoft.com/office/drawing/2010/main" xmlns="">
+              <a14:hiddenFill xmlns="" xmlns:a14="http://schemas.microsoft.com/office/drawing/2010/main">
                 <a:solidFill>
                   <a:srgbClr val="FFFFFF"/>
                 </a:solidFill>
@@ -8461,7 +8683,7 @@
     </p:spTree>
     <p:extLst>
       <p:ext uri="{BB962C8B-B14F-4D97-AF65-F5344CB8AC3E}">
-        <p14:creationId xmlns:p14="http://schemas.microsoft.com/office/powerpoint/2010/main" xmlns="" val="2639245736"/>
+        <p14:creationId xmlns="" xmlns:p14="http://schemas.microsoft.com/office/powerpoint/2010/main" val="2639245736"/>
       </p:ext>
     </p:extLst>
   </p:cSld>
@@ -8564,15 +8786,7 @@
             </a:pPr>
             <a:r>
               <a:rPr lang="en-IN" dirty="0" smtClean="0"/>
-              <a:t> </a:t>
-            </a:r>
-            <a:r>
-              <a:rPr lang="en-IN" dirty="0" smtClean="0"/>
-              <a:t>https</a:t>
-            </a:r>
-            <a:r>
-              <a:rPr lang="en-IN" dirty="0" smtClean="0"/>
-              <a:t>://hortonworks.com/solutions/energy/</a:t>
+              <a:t> https://hortonworks.com/solutions/energy/</a:t>
             </a:r>
           </a:p>
           <a:p>
@@ -8582,19 +8796,7 @@
             </a:pPr>
             <a:r>
               <a:rPr lang="en-IN" dirty="0" smtClean="0"/>
-              <a:t> </a:t>
-            </a:r>
-            <a:r>
-              <a:rPr lang="en-IN" dirty="0" smtClean="0"/>
-              <a:t>https</a:t>
-            </a:r>
-            <a:r>
-              <a:rPr lang="en-IN" dirty="0" smtClean="0"/>
-              <a:t>://</a:t>
-            </a:r>
-            <a:r>
-              <a:rPr lang="en-IN" dirty="0" smtClean="0"/>
-              <a:t>www.researchgate.net/publication/261226446_Smart_meter_data_analytics_using_OpenTSDB_and_Hadoop</a:t>
+              <a:t> https://www.researchgate.net/publication/261226446_Smart_meter_data_analytics_using_OpenTSDB_and_Hadoop</a:t>
             </a:r>
           </a:p>
           <a:p>
@@ -8648,21 +8850,13 @@
             </a:r>
             <a:r>
               <a:rPr lang="en-IN" dirty="0" smtClean="0"/>
-              <a:t>  </a:t>
-            </a:r>
+              <a:t>  ::</a:t>
+            </a:r>
+          </a:p>
+          <a:p>
             <a:r>
               <a:rPr lang="en-IN" dirty="0" smtClean="0"/>
-              <a:t>::</a:t>
-            </a:r>
-          </a:p>
-          <a:p>
-            <a:r>
-              <a:rPr lang="en-IN" dirty="0" smtClean="0"/>
-              <a:t>https</a:t>
-            </a:r>
-            <a:r>
-              <a:rPr lang="en-IN" dirty="0" smtClean="0"/>
-              <a:t>://github.com/piyush-its-1/smartmeteranalytic</a:t>
+              <a:t>https://github.com/piyush-its-1/smartmeteranalytic</a:t>
             </a:r>
             <a:endParaRPr lang="en-IN" dirty="0"/>
           </a:p>
@@ -8671,7 +8865,7 @@
     </p:spTree>
     <p:extLst>
       <p:ext uri="{BB962C8B-B14F-4D97-AF65-F5344CB8AC3E}">
-        <p14:creationId xmlns:p14="http://schemas.microsoft.com/office/powerpoint/2010/main" xmlns="" val="1509507035"/>
+        <p14:creationId xmlns="" xmlns:p14="http://schemas.microsoft.com/office/powerpoint/2010/main" val="1509507035"/>
       </p:ext>
     </p:extLst>
   </p:cSld>
@@ -8717,7 +8911,7 @@
           <a:noFill/>
           <a:extLst>
             <a:ext uri="{909E8E84-426E-40DD-AFC4-6F175D3DCCD1}">
-              <a14:hiddenFill xmlns:a14="http://schemas.microsoft.com/office/drawing/2010/main" xmlns="">
+              <a14:hiddenFill xmlns="" xmlns:a14="http://schemas.microsoft.com/office/drawing/2010/main">
                 <a:solidFill>
                   <a:srgbClr val="FFFFFF"/>
                 </a:solidFill>
@@ -8749,7 +8943,7 @@
           <a:blip r:embed="rId2">
             <a:extLst>
               <a:ext uri="{28A0092B-C50C-407E-A947-70E740481C1C}">
-                <a14:useLocalDpi xmlns:a14="http://schemas.microsoft.com/office/drawing/2010/main" xmlns="" val="0"/>
+                <a14:useLocalDpi xmlns="" xmlns:a14="http://schemas.microsoft.com/office/drawing/2010/main" val="0"/>
               </a:ext>
             </a:extLst>
           </a:blip>
@@ -8769,7 +8963,7 @@
           <a:noFill/>
           <a:extLst>
             <a:ext uri="{909E8E84-426E-40DD-AFC4-6F175D3DCCD1}">
-              <a14:hiddenFill xmlns:a14="http://schemas.microsoft.com/office/drawing/2010/main" xmlns="">
+              <a14:hiddenFill xmlns="" xmlns:a14="http://schemas.microsoft.com/office/drawing/2010/main">
                 <a:solidFill>
                   <a:srgbClr val="FFFFFF"/>
                 </a:solidFill>
@@ -8781,7 +8975,7 @@
     </p:spTree>
     <p:extLst>
       <p:ext uri="{BB962C8B-B14F-4D97-AF65-F5344CB8AC3E}">
-        <p14:creationId xmlns:p14="http://schemas.microsoft.com/office/powerpoint/2010/main" xmlns="" val="821560773"/>
+        <p14:creationId xmlns="" xmlns:p14="http://schemas.microsoft.com/office/powerpoint/2010/main" val="821560773"/>
       </p:ext>
     </p:extLst>
   </p:cSld>
@@ -8939,7 +9133,7 @@
     </p:spTree>
     <p:extLst>
       <p:ext uri="{BB962C8B-B14F-4D97-AF65-F5344CB8AC3E}">
-        <p14:creationId xmlns:p14="http://schemas.microsoft.com/office/powerpoint/2010/main" xmlns="" val="2295271360"/>
+        <p14:creationId xmlns="" xmlns:p14="http://schemas.microsoft.com/office/powerpoint/2010/main" val="2295271360"/>
       </p:ext>
     </p:extLst>
   </p:cSld>
@@ -9150,7 +9344,7 @@
     </p:spTree>
     <p:extLst>
       <p:ext uri="{BB962C8B-B14F-4D97-AF65-F5344CB8AC3E}">
-        <p14:creationId xmlns:p14="http://schemas.microsoft.com/office/powerpoint/2010/main" xmlns="" val="3304602338"/>
+        <p14:creationId xmlns="" xmlns:p14="http://schemas.microsoft.com/office/powerpoint/2010/main" val="3304602338"/>
       </p:ext>
     </p:extLst>
   </p:cSld>
@@ -9235,7 +9429,7 @@
     </p:spTree>
     <p:extLst>
       <p:ext uri="{BB962C8B-B14F-4D97-AF65-F5344CB8AC3E}">
-        <p14:creationId xmlns:p14="http://schemas.microsoft.com/office/powerpoint/2010/main" xmlns="" val="2173363492"/>
+        <p14:creationId xmlns="" xmlns:p14="http://schemas.microsoft.com/office/powerpoint/2010/main" val="2173363492"/>
       </p:ext>
     </p:extLst>
   </p:cSld>
@@ -9281,7 +9475,7 @@
           <a:blip r:embed="rId2">
             <a:extLst>
               <a:ext uri="{28A0092B-C50C-407E-A947-70E740481C1C}">
-                <a14:useLocalDpi xmlns:a14="http://schemas.microsoft.com/office/drawing/2010/main" xmlns="" val="0"/>
+                <a14:useLocalDpi xmlns="" xmlns:a14="http://schemas.microsoft.com/office/drawing/2010/main" val="0"/>
               </a:ext>
             </a:extLst>
           </a:blip>
@@ -9301,7 +9495,7 @@
           <a:noFill/>
           <a:extLst>
             <a:ext uri="{909E8E84-426E-40DD-AFC4-6F175D3DCCD1}">
-              <a14:hiddenFill xmlns:a14="http://schemas.microsoft.com/office/drawing/2010/main" xmlns="">
+              <a14:hiddenFill xmlns="" xmlns:a14="http://schemas.microsoft.com/office/drawing/2010/main">
                 <a:solidFill>
                   <a:srgbClr val="FFFFFF"/>
                 </a:solidFill>
@@ -9359,7 +9553,7 @@
     </p:spTree>
     <p:extLst>
       <p:ext uri="{BB962C8B-B14F-4D97-AF65-F5344CB8AC3E}">
-        <p14:creationId xmlns:p14="http://schemas.microsoft.com/office/powerpoint/2010/main" xmlns="" val="1570479926"/>
+        <p14:creationId xmlns="" xmlns:p14="http://schemas.microsoft.com/office/powerpoint/2010/main" val="1570479926"/>
       </p:ext>
     </p:extLst>
   </p:cSld>
@@ -9505,7 +9699,7 @@
     </p:spTree>
     <p:extLst>
       <p:ext uri="{BB962C8B-B14F-4D97-AF65-F5344CB8AC3E}">
-        <p14:creationId xmlns:p14="http://schemas.microsoft.com/office/powerpoint/2010/main" xmlns="" val="3983855275"/>
+        <p14:creationId xmlns="" xmlns:p14="http://schemas.microsoft.com/office/powerpoint/2010/main" val="3983855275"/>
       </p:ext>
     </p:extLst>
   </p:cSld>
@@ -9551,7 +9745,7 @@
           <a:blip r:embed="rId2">
             <a:extLst>
               <a:ext uri="{28A0092B-C50C-407E-A947-70E740481C1C}">
-                <a14:useLocalDpi xmlns:a14="http://schemas.microsoft.com/office/drawing/2010/main" xmlns="" val="0"/>
+                <a14:useLocalDpi xmlns="" xmlns:a14="http://schemas.microsoft.com/office/drawing/2010/main" val="0"/>
               </a:ext>
             </a:extLst>
           </a:blip>
@@ -9572,7 +9766,7 @@
     </p:spTree>
     <p:extLst>
       <p:ext uri="{BB962C8B-B14F-4D97-AF65-F5344CB8AC3E}">
-        <p14:creationId xmlns:p14="http://schemas.microsoft.com/office/powerpoint/2010/main" xmlns="" val="1206489802"/>
+        <p14:creationId xmlns="" xmlns:p14="http://schemas.microsoft.com/office/powerpoint/2010/main" val="1206489802"/>
       </p:ext>
     </p:extLst>
   </p:cSld>
@@ -9644,7 +9838,7 @@
           <p:nvPr>
             <p:extLst>
               <p:ext uri="{D42A27DB-BD31-4B8C-83A1-F6EECF244321}">
-                <p14:modId xmlns:p14="http://schemas.microsoft.com/office/powerpoint/2010/main" xmlns="" val="2748246536"/>
+                <p14:modId xmlns="" xmlns:p14="http://schemas.microsoft.com/office/powerpoint/2010/main" val="2748246536"/>
               </p:ext>
             </p:extLst>
           </p:nvPr>
@@ -9826,7 +10020,7 @@
     </p:spTree>
     <p:extLst>
       <p:ext uri="{BB962C8B-B14F-4D97-AF65-F5344CB8AC3E}">
-        <p14:creationId xmlns:p14="http://schemas.microsoft.com/office/powerpoint/2010/main" xmlns="" val="516835489"/>
+        <p14:creationId xmlns="" xmlns:p14="http://schemas.microsoft.com/office/powerpoint/2010/main" val="516835489"/>
       </p:ext>
     </p:extLst>
   </p:cSld>
@@ -10120,7 +10314,7 @@
     </p:spTree>
     <p:extLst>
       <p:ext uri="{BB962C8B-B14F-4D97-AF65-F5344CB8AC3E}">
-        <p14:creationId xmlns:p14="http://schemas.microsoft.com/office/powerpoint/2010/main" xmlns="" val="561817757"/>
+        <p14:creationId xmlns="" xmlns:p14="http://schemas.microsoft.com/office/powerpoint/2010/main" val="561817757"/>
       </p:ext>
     </p:extLst>
   </p:cSld>
